--- a/Pres/Final Presentation - updated.pptx
+++ b/Pres/Final Presentation - updated.pptx
@@ -232,7 +232,7 @@
           <a:p>
             <a:fld id="{9F15F137-7A9B-4CC2-A8BE-824924B27E21}" type="datetimeFigureOut">
               <a:rPr lang="he-IL" smtClean="0"/>
-              <a:t>א'/אייר/תשפ"א</a:t>
+              <a:t>ט"ו/אייר/תשפ"א</a:t>
             </a:fld>
             <a:endParaRPr lang="he-IL"/>
           </a:p>
@@ -1384,9 +1384,9 @@
           <a:bodyPr/>
           <a:lstStyle/>
           <a:p>
-            <a:fld id="{2EE2B01C-C67B-4CA3-AEFF-EA367EB4A8AB}" type="datetimeFigureOut">
+            <a:fld id="{0D5BEB92-E6C6-4F5A-895B-33D2DA602BC7}" type="datetime8">
               <a:rPr lang="he-IL" smtClean="0"/>
-              <a:t>א'/אייר/תשפ"א</a:t>
+              <a:t>27 אפריל 21</a:t>
             </a:fld>
             <a:endParaRPr lang="he-IL"/>
           </a:p>
@@ -1554,9 +1554,9 @@
           <a:bodyPr/>
           <a:lstStyle/>
           <a:p>
-            <a:fld id="{2EE2B01C-C67B-4CA3-AEFF-EA367EB4A8AB}" type="datetimeFigureOut">
+            <a:fld id="{CC220C81-EA97-48FD-8FC2-C1CF507F6D91}" type="datetime8">
               <a:rPr lang="he-IL" smtClean="0"/>
-              <a:t>א'/אייר/תשפ"א</a:t>
+              <a:t>27 אפריל 21</a:t>
             </a:fld>
             <a:endParaRPr lang="he-IL"/>
           </a:p>
@@ -1734,9 +1734,9 @@
           <a:bodyPr/>
           <a:lstStyle/>
           <a:p>
-            <a:fld id="{2EE2B01C-C67B-4CA3-AEFF-EA367EB4A8AB}" type="datetimeFigureOut">
+            <a:fld id="{CB8AC61A-1DCE-4E1C-8A75-0609E5592317}" type="datetime8">
               <a:rPr lang="he-IL" smtClean="0"/>
-              <a:t>א'/אייר/תשפ"א</a:t>
+              <a:t>27 אפריל 21</a:t>
             </a:fld>
             <a:endParaRPr lang="he-IL"/>
           </a:p>
@@ -1904,9 +1904,9 @@
           <a:bodyPr/>
           <a:lstStyle/>
           <a:p>
-            <a:fld id="{2EE2B01C-C67B-4CA3-AEFF-EA367EB4A8AB}" type="datetimeFigureOut">
+            <a:fld id="{DDEB5D56-3451-4A1A-A07D-B6CCD415C382}" type="datetime8">
               <a:rPr lang="he-IL" smtClean="0"/>
-              <a:t>א'/אייר/תשפ"א</a:t>
+              <a:t>27 אפריל 21</a:t>
             </a:fld>
             <a:endParaRPr lang="he-IL"/>
           </a:p>
@@ -2150,9 +2150,9 @@
           <a:bodyPr/>
           <a:lstStyle/>
           <a:p>
-            <a:fld id="{2EE2B01C-C67B-4CA3-AEFF-EA367EB4A8AB}" type="datetimeFigureOut">
+            <a:fld id="{4E01AC8A-22DA-4E24-A209-2FC3E9538DE6}" type="datetime8">
               <a:rPr lang="he-IL" smtClean="0"/>
-              <a:t>א'/אייר/תשפ"א</a:t>
+              <a:t>27 אפריל 21</a:t>
             </a:fld>
             <a:endParaRPr lang="he-IL"/>
           </a:p>
@@ -2382,9 +2382,9 @@
           <a:bodyPr/>
           <a:lstStyle/>
           <a:p>
-            <a:fld id="{2EE2B01C-C67B-4CA3-AEFF-EA367EB4A8AB}" type="datetimeFigureOut">
+            <a:fld id="{D66DE56B-2573-410F-9BAD-A6450439DC03}" type="datetime8">
               <a:rPr lang="he-IL" smtClean="0"/>
-              <a:t>א'/אייר/תשפ"א</a:t>
+              <a:t>27 אפריל 21</a:t>
             </a:fld>
             <a:endParaRPr lang="he-IL"/>
           </a:p>
@@ -2749,9 +2749,9 @@
           <a:bodyPr/>
           <a:lstStyle/>
           <a:p>
-            <a:fld id="{2EE2B01C-C67B-4CA3-AEFF-EA367EB4A8AB}" type="datetimeFigureOut">
+            <a:fld id="{AA96D27D-7B2D-4511-81AC-F9EFC946BBD2}" type="datetime8">
               <a:rPr lang="he-IL" smtClean="0"/>
-              <a:t>א'/אייר/תשפ"א</a:t>
+              <a:t>27 אפריל 21</a:t>
             </a:fld>
             <a:endParaRPr lang="he-IL"/>
           </a:p>
@@ -2867,9 +2867,9 @@
           <a:bodyPr/>
           <a:lstStyle/>
           <a:p>
-            <a:fld id="{2EE2B01C-C67B-4CA3-AEFF-EA367EB4A8AB}" type="datetimeFigureOut">
+            <a:fld id="{A65C05B1-5D63-40F2-8FB7-370BF348CF28}" type="datetime8">
               <a:rPr lang="he-IL" smtClean="0"/>
-              <a:t>א'/אייר/תשפ"א</a:t>
+              <a:t>27 אפריל 21</a:t>
             </a:fld>
             <a:endParaRPr lang="he-IL"/>
           </a:p>
@@ -2962,9 +2962,9 @@
           <a:bodyPr/>
           <a:lstStyle/>
           <a:p>
-            <a:fld id="{2EE2B01C-C67B-4CA3-AEFF-EA367EB4A8AB}" type="datetimeFigureOut">
+            <a:fld id="{1BBC3193-E294-4C5A-90B7-20D88867E5D6}" type="datetime8">
               <a:rPr lang="he-IL" smtClean="0"/>
-              <a:t>א'/אייר/תשפ"א</a:t>
+              <a:t>27 אפריל 21</a:t>
             </a:fld>
             <a:endParaRPr lang="he-IL"/>
           </a:p>
@@ -3239,9 +3239,9 @@
           <a:bodyPr/>
           <a:lstStyle/>
           <a:p>
-            <a:fld id="{2EE2B01C-C67B-4CA3-AEFF-EA367EB4A8AB}" type="datetimeFigureOut">
+            <a:fld id="{1509B1C0-84B7-4BAD-AC24-50B81B97293F}" type="datetime8">
               <a:rPr lang="he-IL" smtClean="0"/>
-              <a:t>א'/אייר/תשפ"א</a:t>
+              <a:t>27 אפריל 21</a:t>
             </a:fld>
             <a:endParaRPr lang="he-IL"/>
           </a:p>
@@ -3496,9 +3496,9 @@
           <a:bodyPr/>
           <a:lstStyle/>
           <a:p>
-            <a:fld id="{2EE2B01C-C67B-4CA3-AEFF-EA367EB4A8AB}" type="datetimeFigureOut">
+            <a:fld id="{B6E2B068-4F02-4089-9BDD-18F8F8150376}" type="datetime8">
               <a:rPr lang="he-IL" smtClean="0"/>
-              <a:t>א'/אייר/תשפ"א</a:t>
+              <a:t>27 אפריל 21</a:t>
             </a:fld>
             <a:endParaRPr lang="he-IL"/>
           </a:p>
@@ -3709,9 +3709,9 @@
             </a:lvl1pPr>
           </a:lstStyle>
           <a:p>
-            <a:fld id="{2EE2B01C-C67B-4CA3-AEFF-EA367EB4A8AB}" type="datetimeFigureOut">
+            <a:fld id="{EAADC551-0104-45FD-8754-AED0298F9179}" type="datetime8">
               <a:rPr lang="he-IL" smtClean="0"/>
-              <a:t>א'/אייר/תשפ"א</a:t>
+              <a:t>27 אפריל 21</a:t>
             </a:fld>
             <a:endParaRPr lang="he-IL"/>
           </a:p>
@@ -3816,6 +3816,7 @@
     <p:sldLayoutId id="2147483682" r:id="rId10"/>
     <p:sldLayoutId id="2147483683" r:id="rId11"/>
   </p:sldLayoutIdLst>
+  <p:hf hdr="0" ftr="0" dt="0"/>
   <p:txStyles>
     <p:titleStyle>
       <a:lvl1pPr algn="l" defTabSz="914400" rtl="1" eaLnBrk="1" latinLnBrk="0" hangingPunct="1">
@@ -4545,6 +4546,35 @@
           </a:p>
         </p:txBody>
       </p:sp>
+      <p:sp>
+        <p:nvSpPr>
+          <p:cNvPr id="7" name="מציין מיקום של מספר שקופית 6">
+            <a:extLst>
+              <a:ext uri="{FF2B5EF4-FFF2-40B4-BE49-F238E27FC236}">
+                <a16:creationId xmlns:a16="http://schemas.microsoft.com/office/drawing/2014/main" id="{F7205F54-74B8-41E0-AFF0-48BB54392A0E}"/>
+              </a:ext>
+            </a:extLst>
+          </p:cNvPr>
+          <p:cNvSpPr>
+            <a:spLocks noGrp="1"/>
+          </p:cNvSpPr>
+          <p:nvPr>
+            <p:ph type="sldNum" sz="quarter" idx="12"/>
+          </p:nvPr>
+        </p:nvSpPr>
+        <p:spPr/>
+        <p:txBody>
+          <a:bodyPr/>
+          <a:lstStyle/>
+          <a:p>
+            <a:fld id="{CBA34A3E-BC13-469B-BC35-E392FC24919C}" type="slidenum">
+              <a:rPr lang="he-IL" smtClean="0"/>
+              <a:t>1</a:t>
+            </a:fld>
+            <a:endParaRPr lang="he-IL"/>
+          </a:p>
+        </p:txBody>
+      </p:sp>
     </p:spTree>
     <p:extLst>
       <p:ext uri="{BB962C8B-B14F-4D97-AF65-F5344CB8AC3E}">
@@ -4696,6 +4726,35 @@
           </a:p>
         </p:txBody>
       </p:sp>
+      <p:sp>
+        <p:nvSpPr>
+          <p:cNvPr id="4" name="מציין מיקום של מספר שקופית 3">
+            <a:extLst>
+              <a:ext uri="{FF2B5EF4-FFF2-40B4-BE49-F238E27FC236}">
+                <a16:creationId xmlns:a16="http://schemas.microsoft.com/office/drawing/2014/main" id="{00C0F672-9C69-4855-871F-164FC8188953}"/>
+              </a:ext>
+            </a:extLst>
+          </p:cNvPr>
+          <p:cNvSpPr>
+            <a:spLocks noGrp="1"/>
+          </p:cNvSpPr>
+          <p:nvPr>
+            <p:ph type="sldNum" sz="quarter" idx="12"/>
+          </p:nvPr>
+        </p:nvSpPr>
+        <p:spPr/>
+        <p:txBody>
+          <a:bodyPr/>
+          <a:lstStyle/>
+          <a:p>
+            <a:fld id="{CBA34A3E-BC13-469B-BC35-E392FC24919C}" type="slidenum">
+              <a:rPr lang="he-IL" smtClean="0"/>
+              <a:t>10</a:t>
+            </a:fld>
+            <a:endParaRPr lang="he-IL"/>
+          </a:p>
+        </p:txBody>
+      </p:sp>
     </p:spTree>
     <p:extLst>
       <p:ext uri="{BB962C8B-B14F-4D97-AF65-F5344CB8AC3E}">
@@ -5488,6 +5547,35 @@
           </a:p>
         </p:txBody>
       </p:sp>
+      <p:sp>
+        <p:nvSpPr>
+          <p:cNvPr id="4" name="מציין מיקום של מספר שקופית 3">
+            <a:extLst>
+              <a:ext uri="{FF2B5EF4-FFF2-40B4-BE49-F238E27FC236}">
+                <a16:creationId xmlns:a16="http://schemas.microsoft.com/office/drawing/2014/main" id="{B5899CEA-8536-409E-BBA5-6752561CF459}"/>
+              </a:ext>
+            </a:extLst>
+          </p:cNvPr>
+          <p:cNvSpPr>
+            <a:spLocks noGrp="1"/>
+          </p:cNvSpPr>
+          <p:nvPr>
+            <p:ph type="sldNum" sz="quarter" idx="12"/>
+          </p:nvPr>
+        </p:nvSpPr>
+        <p:spPr/>
+        <p:txBody>
+          <a:bodyPr/>
+          <a:lstStyle/>
+          <a:p>
+            <a:fld id="{CBA34A3E-BC13-469B-BC35-E392FC24919C}" type="slidenum">
+              <a:rPr lang="he-IL" smtClean="0"/>
+              <a:t>11</a:t>
+            </a:fld>
+            <a:endParaRPr lang="he-IL"/>
+          </a:p>
+        </p:txBody>
+      </p:sp>
     </p:spTree>
     <p:extLst>
       <p:ext uri="{BB962C8B-B14F-4D97-AF65-F5344CB8AC3E}">
@@ -5688,6 +5776,35 @@
           </a:p>
         </p:txBody>
       </p:sp>
+      <p:sp>
+        <p:nvSpPr>
+          <p:cNvPr id="3" name="מציין מיקום של מספר שקופית 2">
+            <a:extLst>
+              <a:ext uri="{FF2B5EF4-FFF2-40B4-BE49-F238E27FC236}">
+                <a16:creationId xmlns:a16="http://schemas.microsoft.com/office/drawing/2014/main" id="{193D14CF-FA5D-46A5-B551-6C1AA79FFA45}"/>
+              </a:ext>
+            </a:extLst>
+          </p:cNvPr>
+          <p:cNvSpPr>
+            <a:spLocks noGrp="1"/>
+          </p:cNvSpPr>
+          <p:nvPr>
+            <p:ph type="sldNum" sz="quarter" idx="12"/>
+          </p:nvPr>
+        </p:nvSpPr>
+        <p:spPr/>
+        <p:txBody>
+          <a:bodyPr/>
+          <a:lstStyle/>
+          <a:p>
+            <a:fld id="{CBA34A3E-BC13-469B-BC35-E392FC24919C}" type="slidenum">
+              <a:rPr lang="he-IL" smtClean="0"/>
+              <a:t>12</a:t>
+            </a:fld>
+            <a:endParaRPr lang="he-IL"/>
+          </a:p>
+        </p:txBody>
+      </p:sp>
     </p:spTree>
     <p:extLst>
       <p:ext uri="{BB962C8B-B14F-4D97-AF65-F5344CB8AC3E}">
@@ -5926,6 +6043,35 @@
           </a:p>
         </p:txBody>
       </p:sp>
+      <p:sp>
+        <p:nvSpPr>
+          <p:cNvPr id="3" name="מציין מיקום של מספר שקופית 2">
+            <a:extLst>
+              <a:ext uri="{FF2B5EF4-FFF2-40B4-BE49-F238E27FC236}">
+                <a16:creationId xmlns:a16="http://schemas.microsoft.com/office/drawing/2014/main" id="{BE5D90A5-BF81-4B4E-83C1-0BE395151C8A}"/>
+              </a:ext>
+            </a:extLst>
+          </p:cNvPr>
+          <p:cNvSpPr>
+            <a:spLocks noGrp="1"/>
+          </p:cNvSpPr>
+          <p:nvPr>
+            <p:ph type="sldNum" sz="quarter" idx="12"/>
+          </p:nvPr>
+        </p:nvSpPr>
+        <p:spPr/>
+        <p:txBody>
+          <a:bodyPr/>
+          <a:lstStyle/>
+          <a:p>
+            <a:fld id="{CBA34A3E-BC13-469B-BC35-E392FC24919C}" type="slidenum">
+              <a:rPr lang="he-IL" smtClean="0"/>
+              <a:t>13</a:t>
+            </a:fld>
+            <a:endParaRPr lang="he-IL"/>
+          </a:p>
+        </p:txBody>
+      </p:sp>
     </p:spTree>
     <p:extLst>
       <p:ext uri="{BB962C8B-B14F-4D97-AF65-F5344CB8AC3E}">
@@ -6090,6 +6236,35 @@
           </a:p>
         </p:txBody>
       </p:sp>
+      <p:sp>
+        <p:nvSpPr>
+          <p:cNvPr id="5" name="מציין מיקום של מספר שקופית 4">
+            <a:extLst>
+              <a:ext uri="{FF2B5EF4-FFF2-40B4-BE49-F238E27FC236}">
+                <a16:creationId xmlns:a16="http://schemas.microsoft.com/office/drawing/2014/main" id="{2ACFC995-FE94-46DE-82DF-5F6FBE27299D}"/>
+              </a:ext>
+            </a:extLst>
+          </p:cNvPr>
+          <p:cNvSpPr>
+            <a:spLocks noGrp="1"/>
+          </p:cNvSpPr>
+          <p:nvPr>
+            <p:ph type="sldNum" sz="quarter" idx="12"/>
+          </p:nvPr>
+        </p:nvSpPr>
+        <p:spPr/>
+        <p:txBody>
+          <a:bodyPr/>
+          <a:lstStyle/>
+          <a:p>
+            <a:fld id="{CBA34A3E-BC13-469B-BC35-E392FC24919C}" type="slidenum">
+              <a:rPr lang="he-IL" smtClean="0"/>
+              <a:t>14</a:t>
+            </a:fld>
+            <a:endParaRPr lang="he-IL"/>
+          </a:p>
+        </p:txBody>
+      </p:sp>
     </p:spTree>
     <p:extLst>
       <p:ext uri="{BB962C8B-B14F-4D97-AF65-F5344CB8AC3E}">
@@ -6305,6 +6480,35 @@
           </a:p>
         </p:txBody>
       </p:sp>
+      <p:sp>
+        <p:nvSpPr>
+          <p:cNvPr id="5" name="מציין מיקום של מספר שקופית 4">
+            <a:extLst>
+              <a:ext uri="{FF2B5EF4-FFF2-40B4-BE49-F238E27FC236}">
+                <a16:creationId xmlns:a16="http://schemas.microsoft.com/office/drawing/2014/main" id="{931F6854-74EB-47C6-995D-6C93DF5B9A7C}"/>
+              </a:ext>
+            </a:extLst>
+          </p:cNvPr>
+          <p:cNvSpPr>
+            <a:spLocks noGrp="1"/>
+          </p:cNvSpPr>
+          <p:nvPr>
+            <p:ph type="sldNum" sz="quarter" idx="12"/>
+          </p:nvPr>
+        </p:nvSpPr>
+        <p:spPr/>
+        <p:txBody>
+          <a:bodyPr/>
+          <a:lstStyle/>
+          <a:p>
+            <a:fld id="{CBA34A3E-BC13-469B-BC35-E392FC24919C}" type="slidenum">
+              <a:rPr lang="he-IL" smtClean="0"/>
+              <a:t>15</a:t>
+            </a:fld>
+            <a:endParaRPr lang="he-IL"/>
+          </a:p>
+        </p:txBody>
+      </p:sp>
     </p:spTree>
     <p:extLst>
       <p:ext uri="{BB962C8B-B14F-4D97-AF65-F5344CB8AC3E}">
@@ -6463,6 +6667,35 @@
           </a:p>
         </p:txBody>
       </p:sp>
+      <p:sp>
+        <p:nvSpPr>
+          <p:cNvPr id="6" name="מציין מיקום של מספר שקופית 5">
+            <a:extLst>
+              <a:ext uri="{FF2B5EF4-FFF2-40B4-BE49-F238E27FC236}">
+                <a16:creationId xmlns:a16="http://schemas.microsoft.com/office/drawing/2014/main" id="{717DC966-08A8-4FA2-B5C6-0A411784B620}"/>
+              </a:ext>
+            </a:extLst>
+          </p:cNvPr>
+          <p:cNvSpPr>
+            <a:spLocks noGrp="1"/>
+          </p:cNvSpPr>
+          <p:nvPr>
+            <p:ph type="sldNum" sz="quarter" idx="12"/>
+          </p:nvPr>
+        </p:nvSpPr>
+        <p:spPr/>
+        <p:txBody>
+          <a:bodyPr/>
+          <a:lstStyle/>
+          <a:p>
+            <a:fld id="{CBA34A3E-BC13-469B-BC35-E392FC24919C}" type="slidenum">
+              <a:rPr lang="he-IL" smtClean="0"/>
+              <a:t>16</a:t>
+            </a:fld>
+            <a:endParaRPr lang="he-IL"/>
+          </a:p>
+        </p:txBody>
+      </p:sp>
     </p:spTree>
     <p:extLst>
       <p:ext uri="{BB962C8B-B14F-4D97-AF65-F5344CB8AC3E}">
@@ -6707,6 +6940,35 @@
           </a:p>
         </p:txBody>
       </p:sp>
+      <p:sp>
+        <p:nvSpPr>
+          <p:cNvPr id="9" name="מציין מיקום של מספר שקופית 8">
+            <a:extLst>
+              <a:ext uri="{FF2B5EF4-FFF2-40B4-BE49-F238E27FC236}">
+                <a16:creationId xmlns:a16="http://schemas.microsoft.com/office/drawing/2014/main" id="{7650C6E5-ED22-4688-B152-BDEEAACF1B67}"/>
+              </a:ext>
+            </a:extLst>
+          </p:cNvPr>
+          <p:cNvSpPr>
+            <a:spLocks noGrp="1"/>
+          </p:cNvSpPr>
+          <p:nvPr>
+            <p:ph type="sldNum" sz="quarter" idx="12"/>
+          </p:nvPr>
+        </p:nvSpPr>
+        <p:spPr/>
+        <p:txBody>
+          <a:bodyPr/>
+          <a:lstStyle/>
+          <a:p>
+            <a:fld id="{CBA34A3E-BC13-469B-BC35-E392FC24919C}" type="slidenum">
+              <a:rPr lang="he-IL" smtClean="0"/>
+              <a:t>17</a:t>
+            </a:fld>
+            <a:endParaRPr lang="he-IL"/>
+          </a:p>
+        </p:txBody>
+      </p:sp>
     </p:spTree>
     <p:extLst>
       <p:ext uri="{BB962C8B-B14F-4D97-AF65-F5344CB8AC3E}">
@@ -6921,6 +7183,35 @@
           </a:p>
         </p:txBody>
       </p:sp>
+      <p:sp>
+        <p:nvSpPr>
+          <p:cNvPr id="7" name="מציין מיקום של מספר שקופית 6">
+            <a:extLst>
+              <a:ext uri="{FF2B5EF4-FFF2-40B4-BE49-F238E27FC236}">
+                <a16:creationId xmlns:a16="http://schemas.microsoft.com/office/drawing/2014/main" id="{7D0026FA-67A5-4E5A-9375-CB13013E4AF9}"/>
+              </a:ext>
+            </a:extLst>
+          </p:cNvPr>
+          <p:cNvSpPr>
+            <a:spLocks noGrp="1"/>
+          </p:cNvSpPr>
+          <p:nvPr>
+            <p:ph type="sldNum" sz="quarter" idx="12"/>
+          </p:nvPr>
+        </p:nvSpPr>
+        <p:spPr/>
+        <p:txBody>
+          <a:bodyPr/>
+          <a:lstStyle/>
+          <a:p>
+            <a:fld id="{CBA34A3E-BC13-469B-BC35-E392FC24919C}" type="slidenum">
+              <a:rPr lang="he-IL" smtClean="0"/>
+              <a:t>18</a:t>
+            </a:fld>
+            <a:endParaRPr lang="he-IL"/>
+          </a:p>
+        </p:txBody>
+      </p:sp>
     </p:spTree>
     <p:extLst>
       <p:ext uri="{BB962C8B-B14F-4D97-AF65-F5344CB8AC3E}">
@@ -7084,6 +7375,35 @@
           </a:p>
         </p:txBody>
       </p:sp>
+      <p:sp>
+        <p:nvSpPr>
+          <p:cNvPr id="4" name="מציין מיקום של מספר שקופית 3">
+            <a:extLst>
+              <a:ext uri="{FF2B5EF4-FFF2-40B4-BE49-F238E27FC236}">
+                <a16:creationId xmlns:a16="http://schemas.microsoft.com/office/drawing/2014/main" id="{8D72AC41-4568-434E-981D-05B41B5F3782}"/>
+              </a:ext>
+            </a:extLst>
+          </p:cNvPr>
+          <p:cNvSpPr>
+            <a:spLocks noGrp="1"/>
+          </p:cNvSpPr>
+          <p:nvPr>
+            <p:ph type="sldNum" sz="quarter" idx="12"/>
+          </p:nvPr>
+        </p:nvSpPr>
+        <p:spPr/>
+        <p:txBody>
+          <a:bodyPr/>
+          <a:lstStyle/>
+          <a:p>
+            <a:fld id="{CBA34A3E-BC13-469B-BC35-E392FC24919C}" type="slidenum">
+              <a:rPr lang="he-IL" smtClean="0"/>
+              <a:t>19</a:t>
+            </a:fld>
+            <a:endParaRPr lang="he-IL"/>
+          </a:p>
+        </p:txBody>
+      </p:sp>
     </p:spTree>
     <p:extLst>
       <p:ext uri="{BB962C8B-B14F-4D97-AF65-F5344CB8AC3E}">
@@ -7260,6 +7580,35 @@
           </a:prstGeom>
         </p:spPr>
       </p:pic>
+      <p:sp>
+        <p:nvSpPr>
+          <p:cNvPr id="6" name="מציין מיקום של מספר שקופית 5">
+            <a:extLst>
+              <a:ext uri="{FF2B5EF4-FFF2-40B4-BE49-F238E27FC236}">
+                <a16:creationId xmlns:a16="http://schemas.microsoft.com/office/drawing/2014/main" id="{916BE9F4-C8BD-435C-B9ED-6BC9A932630C}"/>
+              </a:ext>
+            </a:extLst>
+          </p:cNvPr>
+          <p:cNvSpPr>
+            <a:spLocks noGrp="1"/>
+          </p:cNvSpPr>
+          <p:nvPr>
+            <p:ph type="sldNum" sz="quarter" idx="12"/>
+          </p:nvPr>
+        </p:nvSpPr>
+        <p:spPr/>
+        <p:txBody>
+          <a:bodyPr/>
+          <a:lstStyle/>
+          <a:p>
+            <a:fld id="{CBA34A3E-BC13-469B-BC35-E392FC24919C}" type="slidenum">
+              <a:rPr lang="he-IL" smtClean="0"/>
+              <a:t>2</a:t>
+            </a:fld>
+            <a:endParaRPr lang="he-IL"/>
+          </a:p>
+        </p:txBody>
+      </p:sp>
     </p:spTree>
     <p:extLst>
       <p:ext uri="{BB962C8B-B14F-4D97-AF65-F5344CB8AC3E}">
@@ -8000,8 +8349,42 @@
             <a:pPr algn="l" rtl="0"/>
             <a:r>
               <a:rPr lang="en-US" dirty="0"/>
-              <a:t>On the board we can make modifications in many points between the model and the inference, for example the quantization stage. Less trivial to do on basic Collab</a:t>
-            </a:r>
+              <a:t>On the board we can make modifications in many points between the model and the inference, for example the quantization stage. Less trivial to do on basic </a:t>
+            </a:r>
+            <a:r>
+              <a:rPr lang="en-US" dirty="0" err="1"/>
+              <a:t>Colab</a:t>
+            </a:r>
+            <a:endParaRPr lang="en-US" dirty="0"/>
+          </a:p>
+        </p:txBody>
+      </p:sp>
+      <p:sp>
+        <p:nvSpPr>
+          <p:cNvPr id="5" name="מציין מיקום של מספר שקופית 4">
+            <a:extLst>
+              <a:ext uri="{FF2B5EF4-FFF2-40B4-BE49-F238E27FC236}">
+                <a16:creationId xmlns:a16="http://schemas.microsoft.com/office/drawing/2014/main" id="{645A10FB-0546-4BD3-BF6D-FFDCCF116750}"/>
+              </a:ext>
+            </a:extLst>
+          </p:cNvPr>
+          <p:cNvSpPr>
+            <a:spLocks noGrp="1"/>
+          </p:cNvSpPr>
+          <p:nvPr>
+            <p:ph type="sldNum" sz="quarter" idx="12"/>
+          </p:nvPr>
+        </p:nvSpPr>
+        <p:spPr/>
+        <p:txBody>
+          <a:bodyPr/>
+          <a:lstStyle/>
+          <a:p>
+            <a:fld id="{CBA34A3E-BC13-469B-BC35-E392FC24919C}" type="slidenum">
+              <a:rPr lang="he-IL" smtClean="0"/>
+              <a:t>20</a:t>
+            </a:fld>
+            <a:endParaRPr lang="he-IL"/>
           </a:p>
         </p:txBody>
       </p:sp>
@@ -8132,6 +8515,35 @@
           </a:prstGeom>
         </p:spPr>
       </p:pic>
+      <p:sp>
+        <p:nvSpPr>
+          <p:cNvPr id="6" name="מציין מיקום של מספר שקופית 5">
+            <a:extLst>
+              <a:ext uri="{FF2B5EF4-FFF2-40B4-BE49-F238E27FC236}">
+                <a16:creationId xmlns:a16="http://schemas.microsoft.com/office/drawing/2014/main" id="{0105482C-B593-4F25-B9E0-92415EE7E6B7}"/>
+              </a:ext>
+            </a:extLst>
+          </p:cNvPr>
+          <p:cNvSpPr>
+            <a:spLocks noGrp="1"/>
+          </p:cNvSpPr>
+          <p:nvPr>
+            <p:ph type="sldNum" sz="quarter" idx="12"/>
+          </p:nvPr>
+        </p:nvSpPr>
+        <p:spPr/>
+        <p:txBody>
+          <a:bodyPr/>
+          <a:lstStyle/>
+          <a:p>
+            <a:fld id="{CBA34A3E-BC13-469B-BC35-E392FC24919C}" type="slidenum">
+              <a:rPr lang="he-IL" smtClean="0"/>
+              <a:t>21</a:t>
+            </a:fld>
+            <a:endParaRPr lang="he-IL"/>
+          </a:p>
+        </p:txBody>
+      </p:sp>
     </p:spTree>
     <p:extLst>
       <p:ext uri="{BB962C8B-B14F-4D97-AF65-F5344CB8AC3E}">
@@ -8324,6 +8736,35 @@
           </a:p>
         </p:txBody>
       </p:sp>
+      <p:sp>
+        <p:nvSpPr>
+          <p:cNvPr id="5" name="מציין מיקום של מספר שקופית 4">
+            <a:extLst>
+              <a:ext uri="{FF2B5EF4-FFF2-40B4-BE49-F238E27FC236}">
+                <a16:creationId xmlns:a16="http://schemas.microsoft.com/office/drawing/2014/main" id="{07702CCF-ACF3-4325-8883-CD4639F4737A}"/>
+              </a:ext>
+            </a:extLst>
+          </p:cNvPr>
+          <p:cNvSpPr>
+            <a:spLocks noGrp="1"/>
+          </p:cNvSpPr>
+          <p:nvPr>
+            <p:ph type="sldNum" sz="quarter" idx="12"/>
+          </p:nvPr>
+        </p:nvSpPr>
+        <p:spPr/>
+        <p:txBody>
+          <a:bodyPr/>
+          <a:lstStyle/>
+          <a:p>
+            <a:fld id="{CBA34A3E-BC13-469B-BC35-E392FC24919C}" type="slidenum">
+              <a:rPr lang="he-IL" smtClean="0"/>
+              <a:t>22</a:t>
+            </a:fld>
+            <a:endParaRPr lang="he-IL"/>
+          </a:p>
+        </p:txBody>
+      </p:sp>
     </p:spTree>
     <p:extLst>
       <p:ext uri="{BB962C8B-B14F-4D97-AF65-F5344CB8AC3E}">
@@ -8448,6 +8889,35 @@
           </a:p>
         </p:txBody>
       </p:sp>
+      <p:sp>
+        <p:nvSpPr>
+          <p:cNvPr id="5" name="מציין מיקום של מספר שקופית 4">
+            <a:extLst>
+              <a:ext uri="{FF2B5EF4-FFF2-40B4-BE49-F238E27FC236}">
+                <a16:creationId xmlns:a16="http://schemas.microsoft.com/office/drawing/2014/main" id="{BB7260FB-D6EC-4D3B-AB8C-6B9A9DD66BAE}"/>
+              </a:ext>
+            </a:extLst>
+          </p:cNvPr>
+          <p:cNvSpPr>
+            <a:spLocks noGrp="1"/>
+          </p:cNvSpPr>
+          <p:nvPr>
+            <p:ph type="sldNum" sz="quarter" idx="12"/>
+          </p:nvPr>
+        </p:nvSpPr>
+        <p:spPr/>
+        <p:txBody>
+          <a:bodyPr/>
+          <a:lstStyle/>
+          <a:p>
+            <a:fld id="{CBA34A3E-BC13-469B-BC35-E392FC24919C}" type="slidenum">
+              <a:rPr lang="he-IL" smtClean="0"/>
+              <a:t>23</a:t>
+            </a:fld>
+            <a:endParaRPr lang="he-IL"/>
+          </a:p>
+        </p:txBody>
+      </p:sp>
     </p:spTree>
     <p:extLst>
       <p:ext uri="{BB962C8B-B14F-4D97-AF65-F5344CB8AC3E}">
@@ -8569,6 +9039,35 @@
           </a:p>
         </p:txBody>
       </p:sp>
+      <p:sp>
+        <p:nvSpPr>
+          <p:cNvPr id="5" name="מציין מיקום של מספר שקופית 4">
+            <a:extLst>
+              <a:ext uri="{FF2B5EF4-FFF2-40B4-BE49-F238E27FC236}">
+                <a16:creationId xmlns:a16="http://schemas.microsoft.com/office/drawing/2014/main" id="{BE1E95FD-842E-4228-8950-8D1C0340801A}"/>
+              </a:ext>
+            </a:extLst>
+          </p:cNvPr>
+          <p:cNvSpPr>
+            <a:spLocks noGrp="1"/>
+          </p:cNvSpPr>
+          <p:nvPr>
+            <p:ph type="sldNum" sz="quarter" idx="12"/>
+          </p:nvPr>
+        </p:nvSpPr>
+        <p:spPr/>
+        <p:txBody>
+          <a:bodyPr/>
+          <a:lstStyle/>
+          <a:p>
+            <a:fld id="{CBA34A3E-BC13-469B-BC35-E392FC24919C}" type="slidenum">
+              <a:rPr lang="he-IL" smtClean="0"/>
+              <a:t>24</a:t>
+            </a:fld>
+            <a:endParaRPr lang="he-IL"/>
+          </a:p>
+        </p:txBody>
+      </p:sp>
     </p:spTree>
     <p:extLst>
       <p:ext uri="{BB962C8B-B14F-4D97-AF65-F5344CB8AC3E}">
@@ -8707,6 +9206,35 @@
           </a:p>
         </p:txBody>
       </p:sp>
+      <p:sp>
+        <p:nvSpPr>
+          <p:cNvPr id="6" name="מציין מיקום של מספר שקופית 5">
+            <a:extLst>
+              <a:ext uri="{FF2B5EF4-FFF2-40B4-BE49-F238E27FC236}">
+                <a16:creationId xmlns:a16="http://schemas.microsoft.com/office/drawing/2014/main" id="{93ECE520-2EDF-433E-8566-06AA55065463}"/>
+              </a:ext>
+            </a:extLst>
+          </p:cNvPr>
+          <p:cNvSpPr>
+            <a:spLocks noGrp="1"/>
+          </p:cNvSpPr>
+          <p:nvPr>
+            <p:ph type="sldNum" sz="quarter" idx="12"/>
+          </p:nvPr>
+        </p:nvSpPr>
+        <p:spPr/>
+        <p:txBody>
+          <a:bodyPr/>
+          <a:lstStyle/>
+          <a:p>
+            <a:fld id="{CBA34A3E-BC13-469B-BC35-E392FC24919C}" type="slidenum">
+              <a:rPr lang="he-IL" smtClean="0"/>
+              <a:t>3</a:t>
+            </a:fld>
+            <a:endParaRPr lang="he-IL"/>
+          </a:p>
+        </p:txBody>
+      </p:sp>
     </p:spTree>
     <p:extLst>
       <p:ext uri="{BB962C8B-B14F-4D97-AF65-F5344CB8AC3E}">
@@ -8895,6 +9423,35 @@
           </a:p>
         </p:txBody>
       </p:sp>
+      <p:sp>
+        <p:nvSpPr>
+          <p:cNvPr id="5" name="מציין מיקום של מספר שקופית 4">
+            <a:extLst>
+              <a:ext uri="{FF2B5EF4-FFF2-40B4-BE49-F238E27FC236}">
+                <a16:creationId xmlns:a16="http://schemas.microsoft.com/office/drawing/2014/main" id="{C477F46B-89C6-4467-ACB5-06DAD1B2020A}"/>
+              </a:ext>
+            </a:extLst>
+          </p:cNvPr>
+          <p:cNvSpPr>
+            <a:spLocks noGrp="1"/>
+          </p:cNvSpPr>
+          <p:nvPr>
+            <p:ph type="sldNum" sz="quarter" idx="12"/>
+          </p:nvPr>
+        </p:nvSpPr>
+        <p:spPr/>
+        <p:txBody>
+          <a:bodyPr/>
+          <a:lstStyle/>
+          <a:p>
+            <a:fld id="{CBA34A3E-BC13-469B-BC35-E392FC24919C}" type="slidenum">
+              <a:rPr lang="he-IL" smtClean="0"/>
+              <a:t>4</a:t>
+            </a:fld>
+            <a:endParaRPr lang="he-IL"/>
+          </a:p>
+        </p:txBody>
+      </p:sp>
     </p:spTree>
     <p:extLst>
       <p:ext uri="{BB962C8B-B14F-4D97-AF65-F5344CB8AC3E}">
@@ -9097,6 +9654,35 @@
           </a:prstGeom>
         </p:spPr>
       </p:pic>
+      <p:sp>
+        <p:nvSpPr>
+          <p:cNvPr id="5" name="מציין מיקום של מספר שקופית 4">
+            <a:extLst>
+              <a:ext uri="{FF2B5EF4-FFF2-40B4-BE49-F238E27FC236}">
+                <a16:creationId xmlns:a16="http://schemas.microsoft.com/office/drawing/2014/main" id="{99D02450-6D1A-4E00-B2CB-0D8C8D5A96E1}"/>
+              </a:ext>
+            </a:extLst>
+          </p:cNvPr>
+          <p:cNvSpPr>
+            <a:spLocks noGrp="1"/>
+          </p:cNvSpPr>
+          <p:nvPr>
+            <p:ph type="sldNum" sz="quarter" idx="12"/>
+          </p:nvPr>
+        </p:nvSpPr>
+        <p:spPr/>
+        <p:txBody>
+          <a:bodyPr/>
+          <a:lstStyle/>
+          <a:p>
+            <a:fld id="{CBA34A3E-BC13-469B-BC35-E392FC24919C}" type="slidenum">
+              <a:rPr lang="he-IL" smtClean="0"/>
+              <a:t>5</a:t>
+            </a:fld>
+            <a:endParaRPr lang="he-IL"/>
+          </a:p>
+        </p:txBody>
+      </p:sp>
     </p:spTree>
     <p:extLst>
       <p:ext uri="{BB962C8B-B14F-4D97-AF65-F5344CB8AC3E}">
@@ -10770,6 +11356,35 @@
           </a:p>
         </p:txBody>
       </p:sp>
+      <p:sp>
+        <p:nvSpPr>
+          <p:cNvPr id="5" name="מציין מיקום של מספר שקופית 4">
+            <a:extLst>
+              <a:ext uri="{FF2B5EF4-FFF2-40B4-BE49-F238E27FC236}">
+                <a16:creationId xmlns:a16="http://schemas.microsoft.com/office/drawing/2014/main" id="{483BCD00-84A9-4B7B-B121-9BC48D0BFDEA}"/>
+              </a:ext>
+            </a:extLst>
+          </p:cNvPr>
+          <p:cNvSpPr>
+            <a:spLocks noGrp="1"/>
+          </p:cNvSpPr>
+          <p:nvPr>
+            <p:ph type="sldNum" sz="quarter" idx="12"/>
+          </p:nvPr>
+        </p:nvSpPr>
+        <p:spPr/>
+        <p:txBody>
+          <a:bodyPr/>
+          <a:lstStyle/>
+          <a:p>
+            <a:fld id="{CBA34A3E-BC13-469B-BC35-E392FC24919C}" type="slidenum">
+              <a:rPr lang="he-IL" smtClean="0"/>
+              <a:t>6</a:t>
+            </a:fld>
+            <a:endParaRPr lang="he-IL"/>
+          </a:p>
+        </p:txBody>
+      </p:sp>
     </p:spTree>
     <p:extLst>
       <p:ext uri="{BB962C8B-B14F-4D97-AF65-F5344CB8AC3E}">
@@ -10915,6 +11530,35 @@
           </a:prstGeom>
         </p:spPr>
       </p:pic>
+      <p:sp>
+        <p:nvSpPr>
+          <p:cNvPr id="7" name="מציין מיקום של מספר שקופית 6">
+            <a:extLst>
+              <a:ext uri="{FF2B5EF4-FFF2-40B4-BE49-F238E27FC236}">
+                <a16:creationId xmlns:a16="http://schemas.microsoft.com/office/drawing/2014/main" id="{F10B18B4-C2E9-4F01-8737-AD6E5CBD74EA}"/>
+              </a:ext>
+            </a:extLst>
+          </p:cNvPr>
+          <p:cNvSpPr>
+            <a:spLocks noGrp="1"/>
+          </p:cNvSpPr>
+          <p:nvPr>
+            <p:ph type="sldNum" sz="quarter" idx="12"/>
+          </p:nvPr>
+        </p:nvSpPr>
+        <p:spPr/>
+        <p:txBody>
+          <a:bodyPr/>
+          <a:lstStyle/>
+          <a:p>
+            <a:fld id="{CBA34A3E-BC13-469B-BC35-E392FC24919C}" type="slidenum">
+              <a:rPr lang="he-IL" smtClean="0"/>
+              <a:t>7</a:t>
+            </a:fld>
+            <a:endParaRPr lang="he-IL"/>
+          </a:p>
+        </p:txBody>
+      </p:sp>
     </p:spTree>
     <p:extLst>
       <p:ext uri="{BB962C8B-B14F-4D97-AF65-F5344CB8AC3E}">
@@ -11040,6 +11684,35 @@
           </a:prstGeom>
         </p:spPr>
       </p:pic>
+      <p:sp>
+        <p:nvSpPr>
+          <p:cNvPr id="4" name="מציין מיקום של מספר שקופית 3">
+            <a:extLst>
+              <a:ext uri="{FF2B5EF4-FFF2-40B4-BE49-F238E27FC236}">
+                <a16:creationId xmlns:a16="http://schemas.microsoft.com/office/drawing/2014/main" id="{DFEB72B9-DC0E-4658-AF7D-19F4BB360D7E}"/>
+              </a:ext>
+            </a:extLst>
+          </p:cNvPr>
+          <p:cNvSpPr>
+            <a:spLocks noGrp="1"/>
+          </p:cNvSpPr>
+          <p:nvPr>
+            <p:ph type="sldNum" sz="quarter" idx="12"/>
+          </p:nvPr>
+        </p:nvSpPr>
+        <p:spPr/>
+        <p:txBody>
+          <a:bodyPr/>
+          <a:lstStyle/>
+          <a:p>
+            <a:fld id="{CBA34A3E-BC13-469B-BC35-E392FC24919C}" type="slidenum">
+              <a:rPr lang="he-IL" smtClean="0"/>
+              <a:t>8</a:t>
+            </a:fld>
+            <a:endParaRPr lang="he-IL"/>
+          </a:p>
+        </p:txBody>
+      </p:sp>
     </p:spTree>
     <p:extLst>
       <p:ext uri="{BB962C8B-B14F-4D97-AF65-F5344CB8AC3E}">
@@ -11279,6 +11952,35 @@
               </a:rPr>
               <a:t>VirtualBox does not support FMA instructions, switched to VMware</a:t>
             </a:r>
+          </a:p>
+        </p:txBody>
+      </p:sp>
+      <p:sp>
+        <p:nvSpPr>
+          <p:cNvPr id="5" name="מציין מיקום של מספר שקופית 4">
+            <a:extLst>
+              <a:ext uri="{FF2B5EF4-FFF2-40B4-BE49-F238E27FC236}">
+                <a16:creationId xmlns:a16="http://schemas.microsoft.com/office/drawing/2014/main" id="{8291E7EA-D500-4C66-8161-9FE5715E8716}"/>
+              </a:ext>
+            </a:extLst>
+          </p:cNvPr>
+          <p:cNvSpPr>
+            <a:spLocks noGrp="1"/>
+          </p:cNvSpPr>
+          <p:nvPr>
+            <p:ph type="sldNum" sz="quarter" idx="12"/>
+          </p:nvPr>
+        </p:nvSpPr>
+        <p:spPr/>
+        <p:txBody>
+          <a:bodyPr/>
+          <a:lstStyle/>
+          <a:p>
+            <a:fld id="{CBA34A3E-BC13-469B-BC35-E392FC24919C}" type="slidenum">
+              <a:rPr lang="he-IL" smtClean="0"/>
+              <a:t>9</a:t>
+            </a:fld>
+            <a:endParaRPr lang="he-IL"/>
           </a:p>
         </p:txBody>
       </p:sp>
